--- a/Tex Papiers/Greedy_load/JOSH/instance.pptx
+++ b/Tex Papiers/Greedy_load/JOSH/instance.pptx
@@ -104,6 +104,11 @@
       </a:defRPr>
     </a:lvl9pPr>
   </p:defaultTextStyle>
+  <p:extLst>
+    <p:ext uri="{EFAFB233-063F-42B5-8137-9DF3F51BA10A}">
+      <p15:sldGuideLst xmlns:p15="http://schemas.microsoft.com/office/powerpoint/2012/main"/>
+    </p:ext>
+  </p:extLst>
 </p:presentation>
 </file>
 
@@ -238,7 +243,7 @@
           <a:p>
             <a:fld id="{4F9D0EE7-5FFA-4A88-B51D-A0F9CB847ED6}" type="datetimeFigureOut">
               <a:rPr lang="fr-FR" smtClean="0"/>
-              <a:t>08/11/2023</a:t>
+              <a:t>09/11/2023</a:t>
             </a:fld>
             <a:endParaRPr lang="fr-FR"/>
           </a:p>
@@ -408,7 +413,7 @@
           <a:p>
             <a:fld id="{4F9D0EE7-5FFA-4A88-B51D-A0F9CB847ED6}" type="datetimeFigureOut">
               <a:rPr lang="fr-FR" smtClean="0"/>
-              <a:t>08/11/2023</a:t>
+              <a:t>09/11/2023</a:t>
             </a:fld>
             <a:endParaRPr lang="fr-FR"/>
           </a:p>
@@ -588,7 +593,7 @@
           <a:p>
             <a:fld id="{4F9D0EE7-5FFA-4A88-B51D-A0F9CB847ED6}" type="datetimeFigureOut">
               <a:rPr lang="fr-FR" smtClean="0"/>
-              <a:t>08/11/2023</a:t>
+              <a:t>09/11/2023</a:t>
             </a:fld>
             <a:endParaRPr lang="fr-FR"/>
           </a:p>
@@ -758,7 +763,7 @@
           <a:p>
             <a:fld id="{4F9D0EE7-5FFA-4A88-B51D-A0F9CB847ED6}" type="datetimeFigureOut">
               <a:rPr lang="fr-FR" smtClean="0"/>
-              <a:t>08/11/2023</a:t>
+              <a:t>09/11/2023</a:t>
             </a:fld>
             <a:endParaRPr lang="fr-FR"/>
           </a:p>
@@ -1004,7 +1009,7 @@
           <a:p>
             <a:fld id="{4F9D0EE7-5FFA-4A88-B51D-A0F9CB847ED6}" type="datetimeFigureOut">
               <a:rPr lang="fr-FR" smtClean="0"/>
-              <a:t>08/11/2023</a:t>
+              <a:t>09/11/2023</a:t>
             </a:fld>
             <a:endParaRPr lang="fr-FR"/>
           </a:p>
@@ -1236,7 +1241,7 @@
           <a:p>
             <a:fld id="{4F9D0EE7-5FFA-4A88-B51D-A0F9CB847ED6}" type="datetimeFigureOut">
               <a:rPr lang="fr-FR" smtClean="0"/>
-              <a:t>08/11/2023</a:t>
+              <a:t>09/11/2023</a:t>
             </a:fld>
             <a:endParaRPr lang="fr-FR"/>
           </a:p>
@@ -1603,7 +1608,7 @@
           <a:p>
             <a:fld id="{4F9D0EE7-5FFA-4A88-B51D-A0F9CB847ED6}" type="datetimeFigureOut">
               <a:rPr lang="fr-FR" smtClean="0"/>
-              <a:t>08/11/2023</a:t>
+              <a:t>09/11/2023</a:t>
             </a:fld>
             <a:endParaRPr lang="fr-FR"/>
           </a:p>
@@ -1721,7 +1726,7 @@
           <a:p>
             <a:fld id="{4F9D0EE7-5FFA-4A88-B51D-A0F9CB847ED6}" type="datetimeFigureOut">
               <a:rPr lang="fr-FR" smtClean="0"/>
-              <a:t>08/11/2023</a:t>
+              <a:t>09/11/2023</a:t>
             </a:fld>
             <a:endParaRPr lang="fr-FR"/>
           </a:p>
@@ -1816,7 +1821,7 @@
           <a:p>
             <a:fld id="{4F9D0EE7-5FFA-4A88-B51D-A0F9CB847ED6}" type="datetimeFigureOut">
               <a:rPr lang="fr-FR" smtClean="0"/>
-              <a:t>08/11/2023</a:t>
+              <a:t>09/11/2023</a:t>
             </a:fld>
             <a:endParaRPr lang="fr-FR"/>
           </a:p>
@@ -2093,7 +2098,7 @@
           <a:p>
             <a:fld id="{4F9D0EE7-5FFA-4A88-B51D-A0F9CB847ED6}" type="datetimeFigureOut">
               <a:rPr lang="fr-FR" smtClean="0"/>
-              <a:t>08/11/2023</a:t>
+              <a:t>09/11/2023</a:t>
             </a:fld>
             <a:endParaRPr lang="fr-FR"/>
           </a:p>
@@ -2350,7 +2355,7 @@
           <a:p>
             <a:fld id="{4F9D0EE7-5FFA-4A88-B51D-A0F9CB847ED6}" type="datetimeFigureOut">
               <a:rPr lang="fr-FR" smtClean="0"/>
-              <a:t>08/11/2023</a:t>
+              <a:t>09/11/2023</a:t>
             </a:fld>
             <a:endParaRPr lang="fr-FR"/>
           </a:p>
@@ -2563,7 +2568,7 @@
           <a:p>
             <a:fld id="{4F9D0EE7-5FFA-4A88-B51D-A0F9CB847ED6}" type="datetimeFigureOut">
               <a:rPr lang="fr-FR" smtClean="0"/>
-              <a:t>08/11/2023</a:t>
+              <a:t>09/11/2023</a:t>
             </a:fld>
             <a:endParaRPr lang="fr-FR"/>
           </a:p>
@@ -9689,7 +9694,7 @@
           <p:nvPr>
             <p:extLst>
               <p:ext uri="{D42A27DB-BD31-4B8C-83A1-F6EECF244321}">
-                <p14:modId xmlns:p14="http://schemas.microsoft.com/office/powerpoint/2010/main" val="4163988975"/>
+                <p14:modId xmlns:p14="http://schemas.microsoft.com/office/powerpoint/2010/main" val="1746827751"/>
               </p:ext>
             </p:extLst>
           </p:nvPr>
@@ -9754,7 +9759,11 @@
                     <a:lstStyle/>
                     <a:p>
                       <a:r>
-                        <a:rPr lang="fr-FR" dirty="0"/>
+                        <a:rPr lang="fr-FR" dirty="0">
+                          <a:solidFill>
+                            <a:schemeClr val="accent1"/>
+                          </a:solidFill>
+                        </a:rPr>
                         <a:t>0</a:t>
                       </a:r>
                     </a:p>
@@ -9767,7 +9776,11 @@
                     <a:lstStyle/>
                     <a:p>
                       <a:r>
-                        <a:rPr lang="fr-FR" dirty="0"/>
+                        <a:rPr lang="fr-FR" dirty="0">
+                          <a:solidFill>
+                            <a:srgbClr val="C00000"/>
+                          </a:solidFill>
+                        </a:rPr>
                         <a:t>1</a:t>
                       </a:r>
                     </a:p>
@@ -9780,7 +9793,11 @@
                     <a:lstStyle/>
                     <a:p>
                       <a:r>
-                        <a:rPr lang="fr-FR" dirty="0"/>
+                        <a:rPr lang="fr-FR" dirty="0">
+                          <a:solidFill>
+                            <a:schemeClr val="accent6"/>
+                          </a:solidFill>
+                        </a:rPr>
                         <a:t>2</a:t>
                       </a:r>
                     </a:p>
@@ -9911,8 +9928,9 @@
                     <a:p>
                       <a:r>
                         <a:rPr lang="fr-FR" dirty="0"/>
-                        <a:t>0</a:t>
+                        <a:t>6</a:t>
                       </a:r>
+                      <a:endParaRPr lang="fr-FR" dirty="0"/>
                     </a:p>
                   </a:txBody>
                   <a:tcPr/>
@@ -9924,8 +9942,9 @@
                     <a:p>
                       <a:r>
                         <a:rPr lang="fr-FR" dirty="0"/>
-                        <a:t>2</a:t>
+                        <a:t>7</a:t>
                       </a:r>
+                      <a:endParaRPr lang="fr-FR" dirty="0"/>
                     </a:p>
                   </a:txBody>
                   <a:tcPr/>
@@ -9937,8 +9956,9 @@
                     <a:p>
                       <a:r>
                         <a:rPr lang="fr-FR" dirty="0"/>
-                        <a:t>0</a:t>
+                        <a:t>6</a:t>
                       </a:r>
+                      <a:endParaRPr lang="fr-FR" dirty="0"/>
                     </a:p>
                   </a:txBody>
                   <a:tcPr/>

--- a/Tex Papiers/Greedy_load/JOSH/instance.pptx
+++ b/Tex Papiers/Greedy_load/JOSH/instance.pptx
@@ -2,12 +2,12 @@
 <file path=ppt/presentation.xml><?xml version="1.0" encoding="utf-8"?>
 <p:presentation xmlns:a="http://schemas.openxmlformats.org/drawingml/2006/main" xmlns:r="http://schemas.openxmlformats.org/officeDocument/2006/relationships" xmlns:p="http://schemas.openxmlformats.org/presentationml/2006/main" saveSubsetFonts="1">
   <p:sldMasterIdLst>
-    <p:sldMasterId id="2147483650" r:id="rId1"/>
+    <p:sldMasterId id="2147483662" r:id="rId1"/>
   </p:sldMasterIdLst>
   <p:sldIdLst>
     <p:sldId id="257" r:id="rId2"/>
   </p:sldIdLst>
-  <p:sldSz cx="18000663" cy="6858000"/>
+  <p:sldSz cx="18000663" cy="5418138"/>
   <p:notesSz cx="6858000" cy="9144000"/>
   <p:defaultTextStyle>
     <a:defPPr>
@@ -112,6 +112,67 @@
 </p:presentation>
 </file>
 
+<file path=ppt/revisionInfo.xml><?xml version="1.0" encoding="utf-8"?>
+<p1510:revInfo xmlns:a="http://schemas.openxmlformats.org/drawingml/2006/main" xmlns:r="http://schemas.openxmlformats.org/officeDocument/2006/relationships" xmlns:p1510="http://schemas.microsoft.com/office/powerpoint/2015/10/main">
+  <p1510:revLst>
+    <p1510:client id="{546DC7E4-A3BF-4DB1-B0B9-F389A0E010BD}" v="1" dt="2023-11-10T11:54:37.124"/>
+  </p1510:revLst>
+</p1510:revInfo>
+</file>
+
+<file path=ppt/changesInfos/changesInfo1.xml><?xml version="1.0" encoding="utf-8"?>
+<pc:chgInfo xmlns:a="http://schemas.openxmlformats.org/drawingml/2006/main" xmlns:r="http://schemas.openxmlformats.org/officeDocument/2006/relationships" xmlns:ac="http://schemas.microsoft.com/office/drawing/2013/main/command" xmlns:pc="http://schemas.microsoft.com/office/powerpoint/2013/main/command">
+  <pc:docChgLst>
+    <pc:chgData name="GUIRAUD Mael" userId="9698d85c-f986-4704-b8b8-8b96bbf4c9e7" providerId="ADAL" clId="{546DC7E4-A3BF-4DB1-B0B9-F389A0E010BD}"/>
+    <pc:docChg chg="modSld">
+      <pc:chgData name="GUIRAUD Mael" userId="9698d85c-f986-4704-b8b8-8b96bbf4c9e7" providerId="ADAL" clId="{546DC7E4-A3BF-4DB1-B0B9-F389A0E010BD}" dt="2023-11-10T11:57:05.963" v="0" actId="1076"/>
+      <pc:docMkLst>
+        <pc:docMk/>
+      </pc:docMkLst>
+      <pc:sldChg chg="modSp mod">
+        <pc:chgData name="GUIRAUD Mael" userId="9698d85c-f986-4704-b8b8-8b96bbf4c9e7" providerId="ADAL" clId="{546DC7E4-A3BF-4DB1-B0B9-F389A0E010BD}" dt="2023-11-10T11:57:05.963" v="0" actId="1076"/>
+        <pc:sldMkLst>
+          <pc:docMk/>
+          <pc:sldMk cId="2519317609" sldId="257"/>
+        </pc:sldMkLst>
+        <pc:graphicFrameChg chg="mod">
+          <ac:chgData name="GUIRAUD Mael" userId="9698d85c-f986-4704-b8b8-8b96bbf4c9e7" providerId="ADAL" clId="{546DC7E4-A3BF-4DB1-B0B9-F389A0E010BD}" dt="2023-11-10T11:57:05.963" v="0" actId="1076"/>
+          <ac:graphicFrameMkLst>
+            <pc:docMk/>
+            <pc:sldMk cId="2519317609" sldId="257"/>
+            <ac:graphicFrameMk id="27" creationId="{A3B1CAB1-EE3D-BC90-1250-8FDB16E60C36}"/>
+          </ac:graphicFrameMkLst>
+        </pc:graphicFrameChg>
+        <pc:graphicFrameChg chg="mod">
+          <ac:chgData name="GUIRAUD Mael" userId="9698d85c-f986-4704-b8b8-8b96bbf4c9e7" providerId="ADAL" clId="{546DC7E4-A3BF-4DB1-B0B9-F389A0E010BD}" dt="2023-11-10T11:57:05.963" v="0" actId="1076"/>
+          <ac:graphicFrameMkLst>
+            <pc:docMk/>
+            <pc:sldMk cId="2519317609" sldId="257"/>
+            <ac:graphicFrameMk id="28" creationId="{E7FF9080-7B6C-4202-40F4-01A9A7AAB0E3}"/>
+          </ac:graphicFrameMkLst>
+        </pc:graphicFrameChg>
+        <pc:graphicFrameChg chg="mod">
+          <ac:chgData name="GUIRAUD Mael" userId="9698d85c-f986-4704-b8b8-8b96bbf4c9e7" providerId="ADAL" clId="{546DC7E4-A3BF-4DB1-B0B9-F389A0E010BD}" dt="2023-11-10T11:57:05.963" v="0" actId="1076"/>
+          <ac:graphicFrameMkLst>
+            <pc:docMk/>
+            <pc:sldMk cId="2519317609" sldId="257"/>
+            <ac:graphicFrameMk id="30" creationId="{46C5BC07-3C95-6FF7-3478-40537026A355}"/>
+          </ac:graphicFrameMkLst>
+        </pc:graphicFrameChg>
+        <pc:graphicFrameChg chg="mod">
+          <ac:chgData name="GUIRAUD Mael" userId="9698d85c-f986-4704-b8b8-8b96bbf4c9e7" providerId="ADAL" clId="{546DC7E4-A3BF-4DB1-B0B9-F389A0E010BD}" dt="2023-11-10T11:57:05.963" v="0" actId="1076"/>
+          <ac:graphicFrameMkLst>
+            <pc:docMk/>
+            <pc:sldMk cId="2519317609" sldId="257"/>
+            <ac:graphicFrameMk id="31" creationId="{23224D0C-E47E-CC24-E229-30BD615DDA56}"/>
+          </ac:graphicFrameMkLst>
+        </pc:graphicFrameChg>
+      </pc:sldChg>
+    </pc:docChg>
+  </pc:docChgLst>
+</pc:chgInfo>
+</file>
+
 <file path=ppt/slideLayouts/slideLayout1.xml><?xml version="1.0" encoding="utf-8"?>
 <p:sldLayout xmlns:a="http://schemas.openxmlformats.org/drawingml/2006/main" xmlns:r="http://schemas.openxmlformats.org/officeDocument/2006/relationships" xmlns:p="http://schemas.openxmlformats.org/presentationml/2006/main" type="title" preserve="1">
   <p:cSld name="Diapositive de titre">
@@ -141,15 +202,15 @@
         </p:nvSpPr>
         <p:spPr>
           <a:xfrm>
-            <a:off x="2250083" y="1122363"/>
-            <a:ext cx="13500497" cy="2387600"/>
+            <a:off x="2250083" y="886719"/>
+            <a:ext cx="13500497" cy="1886315"/>
           </a:xfrm>
         </p:spPr>
         <p:txBody>
           <a:bodyPr anchor="b"/>
           <a:lstStyle>
             <a:lvl1pPr algn="ctr">
-              <a:defRPr sz="6000"/>
+              <a:defRPr sz="4740"/>
             </a:lvl1pPr>
           </a:lstStyle>
           <a:p>
@@ -173,8 +234,8 @@
         </p:nvSpPr>
         <p:spPr>
           <a:xfrm>
-            <a:off x="2250083" y="3602038"/>
-            <a:ext cx="13500497" cy="1655762"/>
+            <a:off x="2250083" y="2845777"/>
+            <a:ext cx="13500497" cy="1308129"/>
           </a:xfrm>
         </p:spPr>
         <p:txBody>
@@ -182,39 +243,39 @@
           <a:lstStyle>
             <a:lvl1pPr marL="0" indent="0" algn="ctr">
               <a:buNone/>
-              <a:defRPr sz="2400"/>
+              <a:defRPr sz="1896"/>
             </a:lvl1pPr>
-            <a:lvl2pPr marL="457200" indent="0" algn="ctr">
+            <a:lvl2pPr marL="361188" indent="0" algn="ctr">
               <a:buNone/>
-              <a:defRPr sz="2000"/>
+              <a:defRPr sz="1580"/>
             </a:lvl2pPr>
-            <a:lvl3pPr marL="914400" indent="0" algn="ctr">
+            <a:lvl3pPr marL="722376" indent="0" algn="ctr">
               <a:buNone/>
-              <a:defRPr sz="1800"/>
+              <a:defRPr sz="1422"/>
             </a:lvl3pPr>
-            <a:lvl4pPr marL="1371600" indent="0" algn="ctr">
+            <a:lvl4pPr marL="1083564" indent="0" algn="ctr">
               <a:buNone/>
-              <a:defRPr sz="1600"/>
+              <a:defRPr sz="1264"/>
             </a:lvl4pPr>
-            <a:lvl5pPr marL="1828800" indent="0" algn="ctr">
+            <a:lvl5pPr marL="1444752" indent="0" algn="ctr">
               <a:buNone/>
-              <a:defRPr sz="1600"/>
+              <a:defRPr sz="1264"/>
             </a:lvl5pPr>
-            <a:lvl6pPr marL="2286000" indent="0" algn="ctr">
+            <a:lvl6pPr marL="1805940" indent="0" algn="ctr">
               <a:buNone/>
-              <a:defRPr sz="1600"/>
+              <a:defRPr sz="1264"/>
             </a:lvl6pPr>
-            <a:lvl7pPr marL="2743200" indent="0" algn="ctr">
+            <a:lvl7pPr marL="2167128" indent="0" algn="ctr">
               <a:buNone/>
-              <a:defRPr sz="1600"/>
+              <a:defRPr sz="1264"/>
             </a:lvl7pPr>
-            <a:lvl8pPr marL="3200400" indent="0" algn="ctr">
+            <a:lvl8pPr marL="2528316" indent="0" algn="ctr">
               <a:buNone/>
-              <a:defRPr sz="1600"/>
+              <a:defRPr sz="1264"/>
             </a:lvl8pPr>
-            <a:lvl9pPr marL="3657600" indent="0" algn="ctr">
+            <a:lvl9pPr marL="2889504" indent="0" algn="ctr">
               <a:buNone/>
-              <a:defRPr sz="1600"/>
+              <a:defRPr sz="1264"/>
             </a:lvl9pPr>
           </a:lstStyle>
           <a:p>
@@ -243,7 +304,7 @@
           <a:p>
             <a:fld id="{4F9D0EE7-5FFA-4A88-B51D-A0F9CB847ED6}" type="datetimeFigureOut">
               <a:rPr lang="fr-FR" smtClean="0"/>
-              <a:t>09/11/2023</a:t>
+              <a:t>10/11/2023</a:t>
             </a:fld>
             <a:endParaRPr lang="fr-FR"/>
           </a:p>
@@ -294,7 +355,7 @@
     </p:spTree>
     <p:extLst>
       <p:ext uri="{BB962C8B-B14F-4D97-AF65-F5344CB8AC3E}">
-        <p14:creationId xmlns:p14="http://schemas.microsoft.com/office/powerpoint/2010/main" val="2995051213"/>
+        <p14:creationId xmlns:p14="http://schemas.microsoft.com/office/powerpoint/2010/main" val="1029845734"/>
       </p:ext>
     </p:extLst>
   </p:cSld>
@@ -413,7 +474,7 @@
           <a:p>
             <a:fld id="{4F9D0EE7-5FFA-4A88-B51D-A0F9CB847ED6}" type="datetimeFigureOut">
               <a:rPr lang="fr-FR" smtClean="0"/>
-              <a:t>09/11/2023</a:t>
+              <a:t>10/11/2023</a:t>
             </a:fld>
             <a:endParaRPr lang="fr-FR"/>
           </a:p>
@@ -464,7 +525,7 @@
     </p:spTree>
     <p:extLst>
       <p:ext uri="{BB962C8B-B14F-4D97-AF65-F5344CB8AC3E}">
-        <p14:creationId xmlns:p14="http://schemas.microsoft.com/office/powerpoint/2010/main" val="2158226239"/>
+        <p14:creationId xmlns:p14="http://schemas.microsoft.com/office/powerpoint/2010/main" val="2068871247"/>
       </p:ext>
     </p:extLst>
   </p:cSld>
@@ -503,8 +564,8 @@
         </p:nvSpPr>
         <p:spPr>
           <a:xfrm>
-            <a:off x="12881724" y="365125"/>
-            <a:ext cx="3881393" cy="5811838"/>
+            <a:off x="12881724" y="288465"/>
+            <a:ext cx="3881393" cy="4591622"/>
           </a:xfrm>
         </p:spPr>
         <p:txBody>
@@ -531,8 +592,8 @@
         </p:nvSpPr>
         <p:spPr>
           <a:xfrm>
-            <a:off x="1237545" y="365125"/>
-            <a:ext cx="11419171" cy="5811838"/>
+            <a:off x="1237545" y="288465"/>
+            <a:ext cx="11419171" cy="4591622"/>
           </a:xfrm>
         </p:spPr>
         <p:txBody>
@@ -593,7 +654,7 @@
           <a:p>
             <a:fld id="{4F9D0EE7-5FFA-4A88-B51D-A0F9CB847ED6}" type="datetimeFigureOut">
               <a:rPr lang="fr-FR" smtClean="0"/>
-              <a:t>09/11/2023</a:t>
+              <a:t>10/11/2023</a:t>
             </a:fld>
             <a:endParaRPr lang="fr-FR"/>
           </a:p>
@@ -644,7 +705,7 @@
     </p:spTree>
     <p:extLst>
       <p:ext uri="{BB962C8B-B14F-4D97-AF65-F5344CB8AC3E}">
-        <p14:creationId xmlns:p14="http://schemas.microsoft.com/office/powerpoint/2010/main" val="1262831444"/>
+        <p14:creationId xmlns:p14="http://schemas.microsoft.com/office/powerpoint/2010/main" val="3063007142"/>
       </p:ext>
     </p:extLst>
   </p:cSld>
@@ -763,7 +824,7 @@
           <a:p>
             <a:fld id="{4F9D0EE7-5FFA-4A88-B51D-A0F9CB847ED6}" type="datetimeFigureOut">
               <a:rPr lang="fr-FR" smtClean="0"/>
-              <a:t>09/11/2023</a:t>
+              <a:t>10/11/2023</a:t>
             </a:fld>
             <a:endParaRPr lang="fr-FR"/>
           </a:p>
@@ -814,7 +875,7 @@
     </p:spTree>
     <p:extLst>
       <p:ext uri="{BB962C8B-B14F-4D97-AF65-F5344CB8AC3E}">
-        <p14:creationId xmlns:p14="http://schemas.microsoft.com/office/powerpoint/2010/main" val="2129087098"/>
+        <p14:creationId xmlns:p14="http://schemas.microsoft.com/office/powerpoint/2010/main" val="2812779524"/>
       </p:ext>
     </p:extLst>
   </p:cSld>
@@ -853,15 +914,15 @@
         </p:nvSpPr>
         <p:spPr>
           <a:xfrm>
-            <a:off x="1228170" y="1709739"/>
-            <a:ext cx="15525572" cy="2852737"/>
+            <a:off x="1228170" y="1350772"/>
+            <a:ext cx="15525572" cy="2253795"/>
           </a:xfrm>
         </p:spPr>
         <p:txBody>
           <a:bodyPr anchor="b"/>
           <a:lstStyle>
             <a:lvl1pPr>
-              <a:defRPr sz="6000"/>
+              <a:defRPr sz="4740"/>
             </a:lvl1pPr>
           </a:lstStyle>
           <a:p>
@@ -885,8 +946,8 @@
         </p:nvSpPr>
         <p:spPr>
           <a:xfrm>
-            <a:off x="1228170" y="4589464"/>
-            <a:ext cx="15525572" cy="1500187"/>
+            <a:off x="1228170" y="3625889"/>
+            <a:ext cx="15525572" cy="1185217"/>
           </a:xfrm>
         </p:spPr>
         <p:txBody>
@@ -894,7 +955,7 @@
           <a:lstStyle>
             <a:lvl1pPr marL="0" indent="0">
               <a:buNone/>
-              <a:defRPr sz="2400">
+              <a:defRPr sz="1896">
                 <a:solidFill>
                   <a:schemeClr val="tx1">
                     <a:tint val="75000"/>
@@ -902,9 +963,9 @@
                 </a:solidFill>
               </a:defRPr>
             </a:lvl1pPr>
-            <a:lvl2pPr marL="457200" indent="0">
+            <a:lvl2pPr marL="361188" indent="0">
               <a:buNone/>
-              <a:defRPr sz="2000">
+              <a:defRPr sz="1580">
                 <a:solidFill>
                   <a:schemeClr val="tx1">
                     <a:tint val="75000"/>
@@ -912,9 +973,9 @@
                 </a:solidFill>
               </a:defRPr>
             </a:lvl2pPr>
-            <a:lvl3pPr marL="914400" indent="0">
+            <a:lvl3pPr marL="722376" indent="0">
               <a:buNone/>
-              <a:defRPr sz="1800">
+              <a:defRPr sz="1422">
                 <a:solidFill>
                   <a:schemeClr val="tx1">
                     <a:tint val="75000"/>
@@ -922,9 +983,9 @@
                 </a:solidFill>
               </a:defRPr>
             </a:lvl3pPr>
-            <a:lvl4pPr marL="1371600" indent="0">
+            <a:lvl4pPr marL="1083564" indent="0">
               <a:buNone/>
-              <a:defRPr sz="1600">
+              <a:defRPr sz="1264">
                 <a:solidFill>
                   <a:schemeClr val="tx1">
                     <a:tint val="75000"/>
@@ -932,9 +993,9 @@
                 </a:solidFill>
               </a:defRPr>
             </a:lvl4pPr>
-            <a:lvl5pPr marL="1828800" indent="0">
+            <a:lvl5pPr marL="1444752" indent="0">
               <a:buNone/>
-              <a:defRPr sz="1600">
+              <a:defRPr sz="1264">
                 <a:solidFill>
                   <a:schemeClr val="tx1">
                     <a:tint val="75000"/>
@@ -942,9 +1003,9 @@
                 </a:solidFill>
               </a:defRPr>
             </a:lvl5pPr>
-            <a:lvl6pPr marL="2286000" indent="0">
+            <a:lvl6pPr marL="1805940" indent="0">
               <a:buNone/>
-              <a:defRPr sz="1600">
+              <a:defRPr sz="1264">
                 <a:solidFill>
                   <a:schemeClr val="tx1">
                     <a:tint val="75000"/>
@@ -952,9 +1013,9 @@
                 </a:solidFill>
               </a:defRPr>
             </a:lvl6pPr>
-            <a:lvl7pPr marL="2743200" indent="0">
+            <a:lvl7pPr marL="2167128" indent="0">
               <a:buNone/>
-              <a:defRPr sz="1600">
+              <a:defRPr sz="1264">
                 <a:solidFill>
                   <a:schemeClr val="tx1">
                     <a:tint val="75000"/>
@@ -962,9 +1023,9 @@
                 </a:solidFill>
               </a:defRPr>
             </a:lvl7pPr>
-            <a:lvl8pPr marL="3200400" indent="0">
+            <a:lvl8pPr marL="2528316" indent="0">
               <a:buNone/>
-              <a:defRPr sz="1600">
+              <a:defRPr sz="1264">
                 <a:solidFill>
                   <a:schemeClr val="tx1">
                     <a:tint val="75000"/>
@@ -972,9 +1033,9 @@
                 </a:solidFill>
               </a:defRPr>
             </a:lvl8pPr>
-            <a:lvl9pPr marL="3657600" indent="0">
+            <a:lvl9pPr marL="2889504" indent="0">
               <a:buNone/>
-              <a:defRPr sz="1600">
+              <a:defRPr sz="1264">
                 <a:solidFill>
                   <a:schemeClr val="tx1">
                     <a:tint val="75000"/>
@@ -1009,7 +1070,7 @@
           <a:p>
             <a:fld id="{4F9D0EE7-5FFA-4A88-B51D-A0F9CB847ED6}" type="datetimeFigureOut">
               <a:rPr lang="fr-FR" smtClean="0"/>
-              <a:t>09/11/2023</a:t>
+              <a:t>10/11/2023</a:t>
             </a:fld>
             <a:endParaRPr lang="fr-FR"/>
           </a:p>
@@ -1060,7 +1121,7 @@
     </p:spTree>
     <p:extLst>
       <p:ext uri="{BB962C8B-B14F-4D97-AF65-F5344CB8AC3E}">
-        <p14:creationId xmlns:p14="http://schemas.microsoft.com/office/powerpoint/2010/main" val="2695133214"/>
+        <p14:creationId xmlns:p14="http://schemas.microsoft.com/office/powerpoint/2010/main" val="1985898466"/>
       </p:ext>
     </p:extLst>
   </p:cSld>
@@ -1122,8 +1183,8 @@
         </p:nvSpPr>
         <p:spPr>
           <a:xfrm>
-            <a:off x="1237545" y="1825625"/>
-            <a:ext cx="7650282" cy="4351338"/>
+            <a:off x="1237545" y="1442328"/>
+            <a:ext cx="7650282" cy="3437759"/>
           </a:xfrm>
         </p:spPr>
         <p:txBody>
@@ -1179,8 +1240,8 @@
         </p:nvSpPr>
         <p:spPr>
           <a:xfrm>
-            <a:off x="9112836" y="1825625"/>
-            <a:ext cx="7650282" cy="4351338"/>
+            <a:off x="9112836" y="1442328"/>
+            <a:ext cx="7650282" cy="3437759"/>
           </a:xfrm>
         </p:spPr>
         <p:txBody>
@@ -1241,7 +1302,7 @@
           <a:p>
             <a:fld id="{4F9D0EE7-5FFA-4A88-B51D-A0F9CB847ED6}" type="datetimeFigureOut">
               <a:rPr lang="fr-FR" smtClean="0"/>
-              <a:t>09/11/2023</a:t>
+              <a:t>10/11/2023</a:t>
             </a:fld>
             <a:endParaRPr lang="fr-FR"/>
           </a:p>
@@ -1292,7 +1353,7 @@
     </p:spTree>
     <p:extLst>
       <p:ext uri="{BB962C8B-B14F-4D97-AF65-F5344CB8AC3E}">
-        <p14:creationId xmlns:p14="http://schemas.microsoft.com/office/powerpoint/2010/main" val="3632876547"/>
+        <p14:creationId xmlns:p14="http://schemas.microsoft.com/office/powerpoint/2010/main" val="429176821"/>
       </p:ext>
     </p:extLst>
   </p:cSld>
@@ -1331,8 +1392,8 @@
         </p:nvSpPr>
         <p:spPr>
           <a:xfrm>
-            <a:off x="1239890" y="365126"/>
-            <a:ext cx="15525572" cy="1325563"/>
+            <a:off x="1239890" y="288466"/>
+            <a:ext cx="15525572" cy="1047256"/>
           </a:xfrm>
         </p:spPr>
         <p:txBody>
@@ -1359,8 +1420,8 @@
         </p:nvSpPr>
         <p:spPr>
           <a:xfrm>
-            <a:off x="1239891" y="1681163"/>
-            <a:ext cx="7615123" cy="823912"/>
+            <a:off x="1239891" y="1328197"/>
+            <a:ext cx="7615123" cy="650929"/>
           </a:xfrm>
         </p:spPr>
         <p:txBody>
@@ -1368,39 +1429,39 @@
           <a:lstStyle>
             <a:lvl1pPr marL="0" indent="0">
               <a:buNone/>
-              <a:defRPr sz="2400" b="1"/>
+              <a:defRPr sz="1896" b="1"/>
             </a:lvl1pPr>
-            <a:lvl2pPr marL="457200" indent="0">
+            <a:lvl2pPr marL="361188" indent="0">
               <a:buNone/>
-              <a:defRPr sz="2000" b="1"/>
+              <a:defRPr sz="1580" b="1"/>
             </a:lvl2pPr>
-            <a:lvl3pPr marL="914400" indent="0">
+            <a:lvl3pPr marL="722376" indent="0">
               <a:buNone/>
-              <a:defRPr sz="1800" b="1"/>
+              <a:defRPr sz="1422" b="1"/>
             </a:lvl3pPr>
-            <a:lvl4pPr marL="1371600" indent="0">
+            <a:lvl4pPr marL="1083564" indent="0">
               <a:buNone/>
-              <a:defRPr sz="1600" b="1"/>
+              <a:defRPr sz="1264" b="1"/>
             </a:lvl4pPr>
-            <a:lvl5pPr marL="1828800" indent="0">
+            <a:lvl5pPr marL="1444752" indent="0">
               <a:buNone/>
-              <a:defRPr sz="1600" b="1"/>
+              <a:defRPr sz="1264" b="1"/>
             </a:lvl5pPr>
-            <a:lvl6pPr marL="2286000" indent="0">
+            <a:lvl6pPr marL="1805940" indent="0">
               <a:buNone/>
-              <a:defRPr sz="1600" b="1"/>
+              <a:defRPr sz="1264" b="1"/>
             </a:lvl6pPr>
-            <a:lvl7pPr marL="2743200" indent="0">
+            <a:lvl7pPr marL="2167128" indent="0">
               <a:buNone/>
-              <a:defRPr sz="1600" b="1"/>
+              <a:defRPr sz="1264" b="1"/>
             </a:lvl7pPr>
-            <a:lvl8pPr marL="3200400" indent="0">
+            <a:lvl8pPr marL="2528316" indent="0">
               <a:buNone/>
-              <a:defRPr sz="1600" b="1"/>
+              <a:defRPr sz="1264" b="1"/>
             </a:lvl8pPr>
-            <a:lvl9pPr marL="3657600" indent="0">
+            <a:lvl9pPr marL="2889504" indent="0">
               <a:buNone/>
-              <a:defRPr sz="1600" b="1"/>
+              <a:defRPr sz="1264" b="1"/>
             </a:lvl9pPr>
           </a:lstStyle>
           <a:p>
@@ -1424,8 +1485,8 @@
         </p:nvSpPr>
         <p:spPr>
           <a:xfrm>
-            <a:off x="1239891" y="2505075"/>
-            <a:ext cx="7615123" cy="3684588"/>
+            <a:off x="1239891" y="1979126"/>
+            <a:ext cx="7615123" cy="2910995"/>
           </a:xfrm>
         </p:spPr>
         <p:txBody>
@@ -1481,8 +1542,8 @@
         </p:nvSpPr>
         <p:spPr>
           <a:xfrm>
-            <a:off x="9112836" y="1681163"/>
-            <a:ext cx="7652626" cy="823912"/>
+            <a:off x="9112836" y="1328197"/>
+            <a:ext cx="7652626" cy="650929"/>
           </a:xfrm>
         </p:spPr>
         <p:txBody>
@@ -1490,39 +1551,39 @@
           <a:lstStyle>
             <a:lvl1pPr marL="0" indent="0">
               <a:buNone/>
-              <a:defRPr sz="2400" b="1"/>
+              <a:defRPr sz="1896" b="1"/>
             </a:lvl1pPr>
-            <a:lvl2pPr marL="457200" indent="0">
+            <a:lvl2pPr marL="361188" indent="0">
               <a:buNone/>
-              <a:defRPr sz="2000" b="1"/>
+              <a:defRPr sz="1580" b="1"/>
             </a:lvl2pPr>
-            <a:lvl3pPr marL="914400" indent="0">
+            <a:lvl3pPr marL="722376" indent="0">
               <a:buNone/>
-              <a:defRPr sz="1800" b="1"/>
+              <a:defRPr sz="1422" b="1"/>
             </a:lvl3pPr>
-            <a:lvl4pPr marL="1371600" indent="0">
+            <a:lvl4pPr marL="1083564" indent="0">
               <a:buNone/>
-              <a:defRPr sz="1600" b="1"/>
+              <a:defRPr sz="1264" b="1"/>
             </a:lvl4pPr>
-            <a:lvl5pPr marL="1828800" indent="0">
+            <a:lvl5pPr marL="1444752" indent="0">
               <a:buNone/>
-              <a:defRPr sz="1600" b="1"/>
+              <a:defRPr sz="1264" b="1"/>
             </a:lvl5pPr>
-            <a:lvl6pPr marL="2286000" indent="0">
+            <a:lvl6pPr marL="1805940" indent="0">
               <a:buNone/>
-              <a:defRPr sz="1600" b="1"/>
+              <a:defRPr sz="1264" b="1"/>
             </a:lvl6pPr>
-            <a:lvl7pPr marL="2743200" indent="0">
+            <a:lvl7pPr marL="2167128" indent="0">
               <a:buNone/>
-              <a:defRPr sz="1600" b="1"/>
+              <a:defRPr sz="1264" b="1"/>
             </a:lvl7pPr>
-            <a:lvl8pPr marL="3200400" indent="0">
+            <a:lvl8pPr marL="2528316" indent="0">
               <a:buNone/>
-              <a:defRPr sz="1600" b="1"/>
+              <a:defRPr sz="1264" b="1"/>
             </a:lvl8pPr>
-            <a:lvl9pPr marL="3657600" indent="0">
+            <a:lvl9pPr marL="2889504" indent="0">
               <a:buNone/>
-              <a:defRPr sz="1600" b="1"/>
+              <a:defRPr sz="1264" b="1"/>
             </a:lvl9pPr>
           </a:lstStyle>
           <a:p>
@@ -1546,8 +1607,8 @@
         </p:nvSpPr>
         <p:spPr>
           <a:xfrm>
-            <a:off x="9112836" y="2505075"/>
-            <a:ext cx="7652626" cy="3684588"/>
+            <a:off x="9112836" y="1979126"/>
+            <a:ext cx="7652626" cy="2910995"/>
           </a:xfrm>
         </p:spPr>
         <p:txBody>
@@ -1608,7 +1669,7 @@
           <a:p>
             <a:fld id="{4F9D0EE7-5FFA-4A88-B51D-A0F9CB847ED6}" type="datetimeFigureOut">
               <a:rPr lang="fr-FR" smtClean="0"/>
-              <a:t>09/11/2023</a:t>
+              <a:t>10/11/2023</a:t>
             </a:fld>
             <a:endParaRPr lang="fr-FR"/>
           </a:p>
@@ -1659,7 +1720,7 @@
     </p:spTree>
     <p:extLst>
       <p:ext uri="{BB962C8B-B14F-4D97-AF65-F5344CB8AC3E}">
-        <p14:creationId xmlns:p14="http://schemas.microsoft.com/office/powerpoint/2010/main" val="2341314072"/>
+        <p14:creationId xmlns:p14="http://schemas.microsoft.com/office/powerpoint/2010/main" val="1630121916"/>
       </p:ext>
     </p:extLst>
   </p:cSld>
@@ -1726,7 +1787,7 @@
           <a:p>
             <a:fld id="{4F9D0EE7-5FFA-4A88-B51D-A0F9CB847ED6}" type="datetimeFigureOut">
               <a:rPr lang="fr-FR" smtClean="0"/>
-              <a:t>09/11/2023</a:t>
+              <a:t>10/11/2023</a:t>
             </a:fld>
             <a:endParaRPr lang="fr-FR"/>
           </a:p>
@@ -1777,7 +1838,7 @@
     </p:spTree>
     <p:extLst>
       <p:ext uri="{BB962C8B-B14F-4D97-AF65-F5344CB8AC3E}">
-        <p14:creationId xmlns:p14="http://schemas.microsoft.com/office/powerpoint/2010/main" val="1053926398"/>
+        <p14:creationId xmlns:p14="http://schemas.microsoft.com/office/powerpoint/2010/main" val="941381704"/>
       </p:ext>
     </p:extLst>
   </p:cSld>
@@ -1821,7 +1882,7 @@
           <a:p>
             <a:fld id="{4F9D0EE7-5FFA-4A88-B51D-A0F9CB847ED6}" type="datetimeFigureOut">
               <a:rPr lang="fr-FR" smtClean="0"/>
-              <a:t>09/11/2023</a:t>
+              <a:t>10/11/2023</a:t>
             </a:fld>
             <a:endParaRPr lang="fr-FR"/>
           </a:p>
@@ -1872,7 +1933,7 @@
     </p:spTree>
     <p:extLst>
       <p:ext uri="{BB962C8B-B14F-4D97-AF65-F5344CB8AC3E}">
-        <p14:creationId xmlns:p14="http://schemas.microsoft.com/office/powerpoint/2010/main" val="2591643719"/>
+        <p14:creationId xmlns:p14="http://schemas.microsoft.com/office/powerpoint/2010/main" val="552100610"/>
       </p:ext>
     </p:extLst>
   </p:cSld>
@@ -1911,15 +1972,15 @@
         </p:nvSpPr>
         <p:spPr>
           <a:xfrm>
-            <a:off x="1239891" y="457200"/>
-            <a:ext cx="5805682" cy="1600200"/>
+            <a:off x="1239891" y="361209"/>
+            <a:ext cx="5805682" cy="1264232"/>
           </a:xfrm>
         </p:spPr>
         <p:txBody>
           <a:bodyPr anchor="b"/>
           <a:lstStyle>
             <a:lvl1pPr>
-              <a:defRPr sz="3200"/>
+              <a:defRPr sz="2528"/>
             </a:lvl1pPr>
           </a:lstStyle>
           <a:p>
@@ -1943,39 +2004,39 @@
         </p:nvSpPr>
         <p:spPr>
           <a:xfrm>
-            <a:off x="7652626" y="987426"/>
-            <a:ext cx="9112836" cy="4873625"/>
+            <a:off x="7652626" y="780112"/>
+            <a:ext cx="9112836" cy="3850390"/>
           </a:xfrm>
         </p:spPr>
         <p:txBody>
           <a:bodyPr/>
           <a:lstStyle>
             <a:lvl1pPr>
-              <a:defRPr sz="3200"/>
+              <a:defRPr sz="2528"/>
             </a:lvl1pPr>
             <a:lvl2pPr>
-              <a:defRPr sz="2800"/>
+              <a:defRPr sz="2212"/>
             </a:lvl2pPr>
             <a:lvl3pPr>
-              <a:defRPr sz="2400"/>
+              <a:defRPr sz="1896"/>
             </a:lvl3pPr>
             <a:lvl4pPr>
-              <a:defRPr sz="2000"/>
+              <a:defRPr sz="1580"/>
             </a:lvl4pPr>
             <a:lvl5pPr>
-              <a:defRPr sz="2000"/>
+              <a:defRPr sz="1580"/>
             </a:lvl5pPr>
             <a:lvl6pPr>
-              <a:defRPr sz="2000"/>
+              <a:defRPr sz="1580"/>
             </a:lvl6pPr>
             <a:lvl7pPr>
-              <a:defRPr sz="2000"/>
+              <a:defRPr sz="1580"/>
             </a:lvl7pPr>
             <a:lvl8pPr>
-              <a:defRPr sz="2000"/>
+              <a:defRPr sz="1580"/>
             </a:lvl8pPr>
             <a:lvl9pPr>
-              <a:defRPr sz="2000"/>
+              <a:defRPr sz="1580"/>
             </a:lvl9pPr>
           </a:lstStyle>
           <a:p>
@@ -2028,8 +2089,8 @@
         </p:nvSpPr>
         <p:spPr>
           <a:xfrm>
-            <a:off x="1239891" y="2057400"/>
-            <a:ext cx="5805682" cy="3811588"/>
+            <a:off x="1239891" y="1625442"/>
+            <a:ext cx="5805682" cy="3011331"/>
           </a:xfrm>
         </p:spPr>
         <p:txBody>
@@ -2037,39 +2098,39 @@
           <a:lstStyle>
             <a:lvl1pPr marL="0" indent="0">
               <a:buNone/>
-              <a:defRPr sz="1600"/>
+              <a:defRPr sz="1264"/>
             </a:lvl1pPr>
-            <a:lvl2pPr marL="457200" indent="0">
+            <a:lvl2pPr marL="361188" indent="0">
               <a:buNone/>
-              <a:defRPr sz="1400"/>
+              <a:defRPr sz="1106"/>
             </a:lvl2pPr>
-            <a:lvl3pPr marL="914400" indent="0">
+            <a:lvl3pPr marL="722376" indent="0">
               <a:buNone/>
-              <a:defRPr sz="1200"/>
+              <a:defRPr sz="948"/>
             </a:lvl3pPr>
-            <a:lvl4pPr marL="1371600" indent="0">
+            <a:lvl4pPr marL="1083564" indent="0">
               <a:buNone/>
-              <a:defRPr sz="1000"/>
+              <a:defRPr sz="790"/>
             </a:lvl4pPr>
-            <a:lvl5pPr marL="1828800" indent="0">
+            <a:lvl5pPr marL="1444752" indent="0">
               <a:buNone/>
-              <a:defRPr sz="1000"/>
+              <a:defRPr sz="790"/>
             </a:lvl5pPr>
-            <a:lvl6pPr marL="2286000" indent="0">
+            <a:lvl6pPr marL="1805940" indent="0">
               <a:buNone/>
-              <a:defRPr sz="1000"/>
+              <a:defRPr sz="790"/>
             </a:lvl6pPr>
-            <a:lvl7pPr marL="2743200" indent="0">
+            <a:lvl7pPr marL="2167128" indent="0">
               <a:buNone/>
-              <a:defRPr sz="1000"/>
+              <a:defRPr sz="790"/>
             </a:lvl7pPr>
-            <a:lvl8pPr marL="3200400" indent="0">
+            <a:lvl8pPr marL="2528316" indent="0">
               <a:buNone/>
-              <a:defRPr sz="1000"/>
+              <a:defRPr sz="790"/>
             </a:lvl8pPr>
-            <a:lvl9pPr marL="3657600" indent="0">
+            <a:lvl9pPr marL="2889504" indent="0">
               <a:buNone/>
-              <a:defRPr sz="1000"/>
+              <a:defRPr sz="790"/>
             </a:lvl9pPr>
           </a:lstStyle>
           <a:p>
@@ -2098,7 +2159,7 @@
           <a:p>
             <a:fld id="{4F9D0EE7-5FFA-4A88-B51D-A0F9CB847ED6}" type="datetimeFigureOut">
               <a:rPr lang="fr-FR" smtClean="0"/>
-              <a:t>09/11/2023</a:t>
+              <a:t>10/11/2023</a:t>
             </a:fld>
             <a:endParaRPr lang="fr-FR"/>
           </a:p>
@@ -2149,7 +2210,7 @@
     </p:spTree>
     <p:extLst>
       <p:ext uri="{BB962C8B-B14F-4D97-AF65-F5344CB8AC3E}">
-        <p14:creationId xmlns:p14="http://schemas.microsoft.com/office/powerpoint/2010/main" val="1408321223"/>
+        <p14:creationId xmlns:p14="http://schemas.microsoft.com/office/powerpoint/2010/main" val="1831616"/>
       </p:ext>
     </p:extLst>
   </p:cSld>
@@ -2188,15 +2249,15 @@
         </p:nvSpPr>
         <p:spPr>
           <a:xfrm>
-            <a:off x="1239891" y="457200"/>
-            <a:ext cx="5805682" cy="1600200"/>
+            <a:off x="1239891" y="361209"/>
+            <a:ext cx="5805682" cy="1264232"/>
           </a:xfrm>
         </p:spPr>
         <p:txBody>
           <a:bodyPr anchor="b"/>
           <a:lstStyle>
             <a:lvl1pPr>
-              <a:defRPr sz="3200"/>
+              <a:defRPr sz="2528"/>
             </a:lvl1pPr>
           </a:lstStyle>
           <a:p>
@@ -2220,8 +2281,8 @@
         </p:nvSpPr>
         <p:spPr>
           <a:xfrm>
-            <a:off x="7652626" y="987426"/>
-            <a:ext cx="9112836" cy="4873625"/>
+            <a:off x="7652626" y="780112"/>
+            <a:ext cx="9112836" cy="3850390"/>
           </a:xfrm>
         </p:spPr>
         <p:txBody>
@@ -2229,39 +2290,39 @@
           <a:lstStyle>
             <a:lvl1pPr marL="0" indent="0">
               <a:buNone/>
-              <a:defRPr sz="3200"/>
+              <a:defRPr sz="2528"/>
             </a:lvl1pPr>
-            <a:lvl2pPr marL="457200" indent="0">
+            <a:lvl2pPr marL="361188" indent="0">
               <a:buNone/>
-              <a:defRPr sz="2800"/>
+              <a:defRPr sz="2212"/>
             </a:lvl2pPr>
-            <a:lvl3pPr marL="914400" indent="0">
+            <a:lvl3pPr marL="722376" indent="0">
               <a:buNone/>
-              <a:defRPr sz="2400"/>
+              <a:defRPr sz="1896"/>
             </a:lvl3pPr>
-            <a:lvl4pPr marL="1371600" indent="0">
+            <a:lvl4pPr marL="1083564" indent="0">
               <a:buNone/>
-              <a:defRPr sz="2000"/>
+              <a:defRPr sz="1580"/>
             </a:lvl4pPr>
-            <a:lvl5pPr marL="1828800" indent="0">
+            <a:lvl5pPr marL="1444752" indent="0">
               <a:buNone/>
-              <a:defRPr sz="2000"/>
+              <a:defRPr sz="1580"/>
             </a:lvl5pPr>
-            <a:lvl6pPr marL="2286000" indent="0">
+            <a:lvl6pPr marL="1805940" indent="0">
               <a:buNone/>
-              <a:defRPr sz="2000"/>
+              <a:defRPr sz="1580"/>
             </a:lvl6pPr>
-            <a:lvl7pPr marL="2743200" indent="0">
+            <a:lvl7pPr marL="2167128" indent="0">
               <a:buNone/>
-              <a:defRPr sz="2000"/>
+              <a:defRPr sz="1580"/>
             </a:lvl7pPr>
-            <a:lvl8pPr marL="3200400" indent="0">
+            <a:lvl8pPr marL="2528316" indent="0">
               <a:buNone/>
-              <a:defRPr sz="2000"/>
+              <a:defRPr sz="1580"/>
             </a:lvl8pPr>
-            <a:lvl9pPr marL="3657600" indent="0">
+            <a:lvl9pPr marL="2889504" indent="0">
               <a:buNone/>
-              <a:defRPr sz="2000"/>
+              <a:defRPr sz="1580"/>
             </a:lvl9pPr>
           </a:lstStyle>
           <a:p>
@@ -2285,8 +2346,8 @@
         </p:nvSpPr>
         <p:spPr>
           <a:xfrm>
-            <a:off x="1239891" y="2057400"/>
-            <a:ext cx="5805682" cy="3811588"/>
+            <a:off x="1239891" y="1625442"/>
+            <a:ext cx="5805682" cy="3011331"/>
           </a:xfrm>
         </p:spPr>
         <p:txBody>
@@ -2294,39 +2355,39 @@
           <a:lstStyle>
             <a:lvl1pPr marL="0" indent="0">
               <a:buNone/>
-              <a:defRPr sz="1600"/>
+              <a:defRPr sz="1264"/>
             </a:lvl1pPr>
-            <a:lvl2pPr marL="457200" indent="0">
+            <a:lvl2pPr marL="361188" indent="0">
               <a:buNone/>
-              <a:defRPr sz="1400"/>
+              <a:defRPr sz="1106"/>
             </a:lvl2pPr>
-            <a:lvl3pPr marL="914400" indent="0">
+            <a:lvl3pPr marL="722376" indent="0">
               <a:buNone/>
-              <a:defRPr sz="1200"/>
+              <a:defRPr sz="948"/>
             </a:lvl3pPr>
-            <a:lvl4pPr marL="1371600" indent="0">
+            <a:lvl4pPr marL="1083564" indent="0">
               <a:buNone/>
-              <a:defRPr sz="1000"/>
+              <a:defRPr sz="790"/>
             </a:lvl4pPr>
-            <a:lvl5pPr marL="1828800" indent="0">
+            <a:lvl5pPr marL="1444752" indent="0">
               <a:buNone/>
-              <a:defRPr sz="1000"/>
+              <a:defRPr sz="790"/>
             </a:lvl5pPr>
-            <a:lvl6pPr marL="2286000" indent="0">
+            <a:lvl6pPr marL="1805940" indent="0">
               <a:buNone/>
-              <a:defRPr sz="1000"/>
+              <a:defRPr sz="790"/>
             </a:lvl6pPr>
-            <a:lvl7pPr marL="2743200" indent="0">
+            <a:lvl7pPr marL="2167128" indent="0">
               <a:buNone/>
-              <a:defRPr sz="1000"/>
+              <a:defRPr sz="790"/>
             </a:lvl7pPr>
-            <a:lvl8pPr marL="3200400" indent="0">
+            <a:lvl8pPr marL="2528316" indent="0">
               <a:buNone/>
-              <a:defRPr sz="1000"/>
+              <a:defRPr sz="790"/>
             </a:lvl8pPr>
-            <a:lvl9pPr marL="3657600" indent="0">
+            <a:lvl9pPr marL="2889504" indent="0">
               <a:buNone/>
-              <a:defRPr sz="1000"/>
+              <a:defRPr sz="790"/>
             </a:lvl9pPr>
           </a:lstStyle>
           <a:p>
@@ -2355,7 +2416,7 @@
           <a:p>
             <a:fld id="{4F9D0EE7-5FFA-4A88-B51D-A0F9CB847ED6}" type="datetimeFigureOut">
               <a:rPr lang="fr-FR" smtClean="0"/>
-              <a:t>09/11/2023</a:t>
+              <a:t>10/11/2023</a:t>
             </a:fld>
             <a:endParaRPr lang="fr-FR"/>
           </a:p>
@@ -2406,7 +2467,7 @@
     </p:spTree>
     <p:extLst>
       <p:ext uri="{BB962C8B-B14F-4D97-AF65-F5344CB8AC3E}">
-        <p14:creationId xmlns:p14="http://schemas.microsoft.com/office/powerpoint/2010/main" val="4214811175"/>
+        <p14:creationId xmlns:p14="http://schemas.microsoft.com/office/powerpoint/2010/main" val="3930424378"/>
       </p:ext>
     </p:extLst>
   </p:cSld>
@@ -2450,8 +2511,8 @@
         </p:nvSpPr>
         <p:spPr>
           <a:xfrm>
-            <a:off x="1237546" y="365126"/>
-            <a:ext cx="15525572" cy="1325563"/>
+            <a:off x="1237546" y="288466"/>
+            <a:ext cx="15525572" cy="1047256"/>
           </a:xfrm>
           <a:prstGeom prst="rect">
             <a:avLst/>
@@ -2483,8 +2544,8 @@
         </p:nvSpPr>
         <p:spPr>
           <a:xfrm>
-            <a:off x="1237546" y="1825625"/>
-            <a:ext cx="15525572" cy="4351338"/>
+            <a:off x="1237546" y="1442328"/>
+            <a:ext cx="15525572" cy="3437759"/>
           </a:xfrm>
           <a:prstGeom prst="rect">
             <a:avLst/>
@@ -2545,8 +2606,8 @@
         </p:nvSpPr>
         <p:spPr>
           <a:xfrm>
-            <a:off x="1237546" y="6356351"/>
-            <a:ext cx="4050149" cy="365125"/>
+            <a:off x="1237546" y="5021811"/>
+            <a:ext cx="4050149" cy="288466"/>
           </a:xfrm>
           <a:prstGeom prst="rect">
             <a:avLst/>
@@ -2556,7 +2617,7 @@
           <a:bodyPr vert="horz" lIns="91440" tIns="45720" rIns="91440" bIns="45720" rtlCol="0" anchor="ctr"/>
           <a:lstStyle>
             <a:lvl1pPr algn="l">
-              <a:defRPr sz="1200">
+              <a:defRPr sz="948">
                 <a:solidFill>
                   <a:schemeClr val="tx1">
                     <a:tint val="75000"/>
@@ -2568,7 +2629,7 @@
           <a:p>
             <a:fld id="{4F9D0EE7-5FFA-4A88-B51D-A0F9CB847ED6}" type="datetimeFigureOut">
               <a:rPr lang="fr-FR" smtClean="0"/>
-              <a:t>09/11/2023</a:t>
+              <a:t>10/11/2023</a:t>
             </a:fld>
             <a:endParaRPr lang="fr-FR"/>
           </a:p>
@@ -2586,8 +2647,8 @@
         </p:nvSpPr>
         <p:spPr>
           <a:xfrm>
-            <a:off x="5962720" y="6356351"/>
-            <a:ext cx="6075224" cy="365125"/>
+            <a:off x="5962720" y="5021811"/>
+            <a:ext cx="6075224" cy="288466"/>
           </a:xfrm>
           <a:prstGeom prst="rect">
             <a:avLst/>
@@ -2597,7 +2658,7 @@
           <a:bodyPr vert="horz" lIns="91440" tIns="45720" rIns="91440" bIns="45720" rtlCol="0" anchor="ctr"/>
           <a:lstStyle>
             <a:lvl1pPr algn="ctr">
-              <a:defRPr sz="1200">
+              <a:defRPr sz="948">
                 <a:solidFill>
                   <a:schemeClr val="tx1">
                     <a:tint val="75000"/>
@@ -2623,8 +2684,8 @@
         </p:nvSpPr>
         <p:spPr>
           <a:xfrm>
-            <a:off x="12712968" y="6356351"/>
-            <a:ext cx="4050149" cy="365125"/>
+            <a:off x="12712968" y="5021811"/>
+            <a:ext cx="4050149" cy="288466"/>
           </a:xfrm>
           <a:prstGeom prst="rect">
             <a:avLst/>
@@ -2634,7 +2695,7 @@
           <a:bodyPr vert="horz" lIns="91440" tIns="45720" rIns="91440" bIns="45720" rtlCol="0" anchor="ctr"/>
           <a:lstStyle>
             <a:lvl1pPr algn="r">
-              <a:defRPr sz="1200">
+              <a:defRPr sz="948">
                 <a:solidFill>
                   <a:schemeClr val="tx1">
                     <a:tint val="75000"/>
@@ -2655,27 +2716,27 @@
     </p:spTree>
     <p:extLst>
       <p:ext uri="{BB962C8B-B14F-4D97-AF65-F5344CB8AC3E}">
-        <p14:creationId xmlns:p14="http://schemas.microsoft.com/office/powerpoint/2010/main" val="2579832102"/>
+        <p14:creationId xmlns:p14="http://schemas.microsoft.com/office/powerpoint/2010/main" val="1736682750"/>
       </p:ext>
     </p:extLst>
   </p:cSld>
   <p:clrMap bg1="lt1" tx1="dk1" bg2="lt2" tx2="dk2" accent1="accent1" accent2="accent2" accent3="accent3" accent4="accent4" accent5="accent5" accent6="accent6" hlink="hlink" folHlink="folHlink"/>
   <p:sldLayoutIdLst>
-    <p:sldLayoutId id="2147483651" r:id="rId1"/>
-    <p:sldLayoutId id="2147483652" r:id="rId2"/>
-    <p:sldLayoutId id="2147483653" r:id="rId3"/>
-    <p:sldLayoutId id="2147483654" r:id="rId4"/>
-    <p:sldLayoutId id="2147483655" r:id="rId5"/>
-    <p:sldLayoutId id="2147483656" r:id="rId6"/>
-    <p:sldLayoutId id="2147483657" r:id="rId7"/>
-    <p:sldLayoutId id="2147483658" r:id="rId8"/>
-    <p:sldLayoutId id="2147483659" r:id="rId9"/>
-    <p:sldLayoutId id="2147483660" r:id="rId10"/>
-    <p:sldLayoutId id="2147483661" r:id="rId11"/>
+    <p:sldLayoutId id="2147483663" r:id="rId1"/>
+    <p:sldLayoutId id="2147483664" r:id="rId2"/>
+    <p:sldLayoutId id="2147483665" r:id="rId3"/>
+    <p:sldLayoutId id="2147483666" r:id="rId4"/>
+    <p:sldLayoutId id="2147483667" r:id="rId5"/>
+    <p:sldLayoutId id="2147483668" r:id="rId6"/>
+    <p:sldLayoutId id="2147483669" r:id="rId7"/>
+    <p:sldLayoutId id="2147483670" r:id="rId8"/>
+    <p:sldLayoutId id="2147483671" r:id="rId9"/>
+    <p:sldLayoutId id="2147483672" r:id="rId10"/>
+    <p:sldLayoutId id="2147483673" r:id="rId11"/>
   </p:sldLayoutIdLst>
   <p:txStyles>
     <p:titleStyle>
-      <a:lvl1pPr algn="l" defTabSz="914400" rtl="0" eaLnBrk="1" latinLnBrk="0" hangingPunct="1">
+      <a:lvl1pPr algn="l" defTabSz="722376" rtl="0" eaLnBrk="1" latinLnBrk="0" hangingPunct="1">
         <a:lnSpc>
           <a:spcPct val="90000"/>
         </a:lnSpc>
@@ -2683,7 +2744,7 @@
           <a:spcPct val="0"/>
         </a:spcBef>
         <a:buNone/>
-        <a:defRPr sz="4400" kern="1200">
+        <a:defRPr sz="3476" kern="1200">
           <a:solidFill>
             <a:schemeClr val="tx1"/>
           </a:solidFill>
@@ -2694,16 +2755,16 @@
       </a:lvl1pPr>
     </p:titleStyle>
     <p:bodyStyle>
-      <a:lvl1pPr marL="228600" indent="-228600" algn="l" defTabSz="914400" rtl="0" eaLnBrk="1" latinLnBrk="0" hangingPunct="1">
+      <a:lvl1pPr marL="180594" indent="-180594" algn="l" defTabSz="722376" rtl="0" eaLnBrk="1" latinLnBrk="0" hangingPunct="1">
         <a:lnSpc>
           <a:spcPct val="90000"/>
         </a:lnSpc>
         <a:spcBef>
-          <a:spcPts val="1000"/>
+          <a:spcPts val="790"/>
         </a:spcBef>
         <a:buFont typeface="Arial" panose="020B0604020202020204" pitchFamily="34" charset="0"/>
         <a:buChar char="•"/>
-        <a:defRPr sz="2800" kern="1200">
+        <a:defRPr sz="2212" kern="1200">
           <a:solidFill>
             <a:schemeClr val="tx1"/>
           </a:solidFill>
@@ -2712,16 +2773,16 @@
           <a:cs typeface="+mn-cs"/>
         </a:defRPr>
       </a:lvl1pPr>
-      <a:lvl2pPr marL="685800" indent="-228600" algn="l" defTabSz="914400" rtl="0" eaLnBrk="1" latinLnBrk="0" hangingPunct="1">
+      <a:lvl2pPr marL="541782" indent="-180594" algn="l" defTabSz="722376" rtl="0" eaLnBrk="1" latinLnBrk="0" hangingPunct="1">
         <a:lnSpc>
           <a:spcPct val="90000"/>
         </a:lnSpc>
         <a:spcBef>
-          <a:spcPts val="500"/>
+          <a:spcPts val="395"/>
         </a:spcBef>
         <a:buFont typeface="Arial" panose="020B0604020202020204" pitchFamily="34" charset="0"/>
         <a:buChar char="•"/>
-        <a:defRPr sz="2400" kern="1200">
+        <a:defRPr sz="1896" kern="1200">
           <a:solidFill>
             <a:schemeClr val="tx1"/>
           </a:solidFill>
@@ -2730,16 +2791,16 @@
           <a:cs typeface="+mn-cs"/>
         </a:defRPr>
       </a:lvl2pPr>
-      <a:lvl3pPr marL="1143000" indent="-228600" algn="l" defTabSz="914400" rtl="0" eaLnBrk="1" latinLnBrk="0" hangingPunct="1">
+      <a:lvl3pPr marL="902970" indent="-180594" algn="l" defTabSz="722376" rtl="0" eaLnBrk="1" latinLnBrk="0" hangingPunct="1">
         <a:lnSpc>
           <a:spcPct val="90000"/>
         </a:lnSpc>
         <a:spcBef>
-          <a:spcPts val="500"/>
+          <a:spcPts val="395"/>
         </a:spcBef>
         <a:buFont typeface="Arial" panose="020B0604020202020204" pitchFamily="34" charset="0"/>
         <a:buChar char="•"/>
-        <a:defRPr sz="2000" kern="1200">
+        <a:defRPr sz="1580" kern="1200">
           <a:solidFill>
             <a:schemeClr val="tx1"/>
           </a:solidFill>
@@ -2748,16 +2809,16 @@
           <a:cs typeface="+mn-cs"/>
         </a:defRPr>
       </a:lvl3pPr>
-      <a:lvl4pPr marL="1600200" indent="-228600" algn="l" defTabSz="914400" rtl="0" eaLnBrk="1" latinLnBrk="0" hangingPunct="1">
+      <a:lvl4pPr marL="1264158" indent="-180594" algn="l" defTabSz="722376" rtl="0" eaLnBrk="1" latinLnBrk="0" hangingPunct="1">
         <a:lnSpc>
           <a:spcPct val="90000"/>
         </a:lnSpc>
         <a:spcBef>
-          <a:spcPts val="500"/>
+          <a:spcPts val="395"/>
         </a:spcBef>
         <a:buFont typeface="Arial" panose="020B0604020202020204" pitchFamily="34" charset="0"/>
         <a:buChar char="•"/>
-        <a:defRPr sz="1800" kern="1200">
+        <a:defRPr sz="1422" kern="1200">
           <a:solidFill>
             <a:schemeClr val="tx1"/>
           </a:solidFill>
@@ -2766,16 +2827,16 @@
           <a:cs typeface="+mn-cs"/>
         </a:defRPr>
       </a:lvl4pPr>
-      <a:lvl5pPr marL="2057400" indent="-228600" algn="l" defTabSz="914400" rtl="0" eaLnBrk="1" latinLnBrk="0" hangingPunct="1">
+      <a:lvl5pPr marL="1625346" indent="-180594" algn="l" defTabSz="722376" rtl="0" eaLnBrk="1" latinLnBrk="0" hangingPunct="1">
         <a:lnSpc>
           <a:spcPct val="90000"/>
         </a:lnSpc>
         <a:spcBef>
-          <a:spcPts val="500"/>
+          <a:spcPts val="395"/>
         </a:spcBef>
         <a:buFont typeface="Arial" panose="020B0604020202020204" pitchFamily="34" charset="0"/>
         <a:buChar char="•"/>
-        <a:defRPr sz="1800" kern="1200">
+        <a:defRPr sz="1422" kern="1200">
           <a:solidFill>
             <a:schemeClr val="tx1"/>
           </a:solidFill>
@@ -2784,16 +2845,16 @@
           <a:cs typeface="+mn-cs"/>
         </a:defRPr>
       </a:lvl5pPr>
-      <a:lvl6pPr marL="2514600" indent="-228600" algn="l" defTabSz="914400" rtl="0" eaLnBrk="1" latinLnBrk="0" hangingPunct="1">
+      <a:lvl6pPr marL="1986534" indent="-180594" algn="l" defTabSz="722376" rtl="0" eaLnBrk="1" latinLnBrk="0" hangingPunct="1">
         <a:lnSpc>
           <a:spcPct val="90000"/>
         </a:lnSpc>
         <a:spcBef>
-          <a:spcPts val="500"/>
+          <a:spcPts val="395"/>
         </a:spcBef>
         <a:buFont typeface="Arial" panose="020B0604020202020204" pitchFamily="34" charset="0"/>
         <a:buChar char="•"/>
-        <a:defRPr sz="1800" kern="1200">
+        <a:defRPr sz="1422" kern="1200">
           <a:solidFill>
             <a:schemeClr val="tx1"/>
           </a:solidFill>
@@ -2802,16 +2863,16 @@
           <a:cs typeface="+mn-cs"/>
         </a:defRPr>
       </a:lvl6pPr>
-      <a:lvl7pPr marL="2971800" indent="-228600" algn="l" defTabSz="914400" rtl="0" eaLnBrk="1" latinLnBrk="0" hangingPunct="1">
+      <a:lvl7pPr marL="2347722" indent="-180594" algn="l" defTabSz="722376" rtl="0" eaLnBrk="1" latinLnBrk="0" hangingPunct="1">
         <a:lnSpc>
           <a:spcPct val="90000"/>
         </a:lnSpc>
         <a:spcBef>
-          <a:spcPts val="500"/>
+          <a:spcPts val="395"/>
         </a:spcBef>
         <a:buFont typeface="Arial" panose="020B0604020202020204" pitchFamily="34" charset="0"/>
         <a:buChar char="•"/>
-        <a:defRPr sz="1800" kern="1200">
+        <a:defRPr sz="1422" kern="1200">
           <a:solidFill>
             <a:schemeClr val="tx1"/>
           </a:solidFill>
@@ -2820,16 +2881,16 @@
           <a:cs typeface="+mn-cs"/>
         </a:defRPr>
       </a:lvl7pPr>
-      <a:lvl8pPr marL="3429000" indent="-228600" algn="l" defTabSz="914400" rtl="0" eaLnBrk="1" latinLnBrk="0" hangingPunct="1">
+      <a:lvl8pPr marL="2708910" indent="-180594" algn="l" defTabSz="722376" rtl="0" eaLnBrk="1" latinLnBrk="0" hangingPunct="1">
         <a:lnSpc>
           <a:spcPct val="90000"/>
         </a:lnSpc>
         <a:spcBef>
-          <a:spcPts val="500"/>
+          <a:spcPts val="395"/>
         </a:spcBef>
         <a:buFont typeface="Arial" panose="020B0604020202020204" pitchFamily="34" charset="0"/>
         <a:buChar char="•"/>
-        <a:defRPr sz="1800" kern="1200">
+        <a:defRPr sz="1422" kern="1200">
           <a:solidFill>
             <a:schemeClr val="tx1"/>
           </a:solidFill>
@@ -2838,16 +2899,16 @@
           <a:cs typeface="+mn-cs"/>
         </a:defRPr>
       </a:lvl8pPr>
-      <a:lvl9pPr marL="3886200" indent="-228600" algn="l" defTabSz="914400" rtl="0" eaLnBrk="1" latinLnBrk="0" hangingPunct="1">
+      <a:lvl9pPr marL="3070098" indent="-180594" algn="l" defTabSz="722376" rtl="0" eaLnBrk="1" latinLnBrk="0" hangingPunct="1">
         <a:lnSpc>
           <a:spcPct val="90000"/>
         </a:lnSpc>
         <a:spcBef>
-          <a:spcPts val="500"/>
+          <a:spcPts val="395"/>
         </a:spcBef>
         <a:buFont typeface="Arial" panose="020B0604020202020204" pitchFamily="34" charset="0"/>
         <a:buChar char="•"/>
-        <a:defRPr sz="1800" kern="1200">
+        <a:defRPr sz="1422" kern="1200">
           <a:solidFill>
             <a:schemeClr val="tx1"/>
           </a:solidFill>
@@ -2861,8 +2922,8 @@
       <a:defPPr>
         <a:defRPr lang="en-US"/>
       </a:defPPr>
-      <a:lvl1pPr marL="0" algn="l" defTabSz="914400" rtl="0" eaLnBrk="1" latinLnBrk="0" hangingPunct="1">
-        <a:defRPr sz="1800" kern="1200">
+      <a:lvl1pPr marL="0" algn="l" defTabSz="722376" rtl="0" eaLnBrk="1" latinLnBrk="0" hangingPunct="1">
+        <a:defRPr sz="1422" kern="1200">
           <a:solidFill>
             <a:schemeClr val="tx1"/>
           </a:solidFill>
@@ -2871,8 +2932,8 @@
           <a:cs typeface="+mn-cs"/>
         </a:defRPr>
       </a:lvl1pPr>
-      <a:lvl2pPr marL="457200" algn="l" defTabSz="914400" rtl="0" eaLnBrk="1" latinLnBrk="0" hangingPunct="1">
-        <a:defRPr sz="1800" kern="1200">
+      <a:lvl2pPr marL="361188" algn="l" defTabSz="722376" rtl="0" eaLnBrk="1" latinLnBrk="0" hangingPunct="1">
+        <a:defRPr sz="1422" kern="1200">
           <a:solidFill>
             <a:schemeClr val="tx1"/>
           </a:solidFill>
@@ -2881,8 +2942,8 @@
           <a:cs typeface="+mn-cs"/>
         </a:defRPr>
       </a:lvl2pPr>
-      <a:lvl3pPr marL="914400" algn="l" defTabSz="914400" rtl="0" eaLnBrk="1" latinLnBrk="0" hangingPunct="1">
-        <a:defRPr sz="1800" kern="1200">
+      <a:lvl3pPr marL="722376" algn="l" defTabSz="722376" rtl="0" eaLnBrk="1" latinLnBrk="0" hangingPunct="1">
+        <a:defRPr sz="1422" kern="1200">
           <a:solidFill>
             <a:schemeClr val="tx1"/>
           </a:solidFill>
@@ -2891,8 +2952,8 @@
           <a:cs typeface="+mn-cs"/>
         </a:defRPr>
       </a:lvl3pPr>
-      <a:lvl4pPr marL="1371600" algn="l" defTabSz="914400" rtl="0" eaLnBrk="1" latinLnBrk="0" hangingPunct="1">
-        <a:defRPr sz="1800" kern="1200">
+      <a:lvl4pPr marL="1083564" algn="l" defTabSz="722376" rtl="0" eaLnBrk="1" latinLnBrk="0" hangingPunct="1">
+        <a:defRPr sz="1422" kern="1200">
           <a:solidFill>
             <a:schemeClr val="tx1"/>
           </a:solidFill>
@@ -2901,8 +2962,8 @@
           <a:cs typeface="+mn-cs"/>
         </a:defRPr>
       </a:lvl4pPr>
-      <a:lvl5pPr marL="1828800" algn="l" defTabSz="914400" rtl="0" eaLnBrk="1" latinLnBrk="0" hangingPunct="1">
-        <a:defRPr sz="1800" kern="1200">
+      <a:lvl5pPr marL="1444752" algn="l" defTabSz="722376" rtl="0" eaLnBrk="1" latinLnBrk="0" hangingPunct="1">
+        <a:defRPr sz="1422" kern="1200">
           <a:solidFill>
             <a:schemeClr val="tx1"/>
           </a:solidFill>
@@ -2911,8 +2972,8 @@
           <a:cs typeface="+mn-cs"/>
         </a:defRPr>
       </a:lvl5pPr>
-      <a:lvl6pPr marL="2286000" algn="l" defTabSz="914400" rtl="0" eaLnBrk="1" latinLnBrk="0" hangingPunct="1">
-        <a:defRPr sz="1800" kern="1200">
+      <a:lvl6pPr marL="1805940" algn="l" defTabSz="722376" rtl="0" eaLnBrk="1" latinLnBrk="0" hangingPunct="1">
+        <a:defRPr sz="1422" kern="1200">
           <a:solidFill>
             <a:schemeClr val="tx1"/>
           </a:solidFill>
@@ -2921,8 +2982,8 @@
           <a:cs typeface="+mn-cs"/>
         </a:defRPr>
       </a:lvl6pPr>
-      <a:lvl7pPr marL="2743200" algn="l" defTabSz="914400" rtl="0" eaLnBrk="1" latinLnBrk="0" hangingPunct="1">
-        <a:defRPr sz="1800" kern="1200">
+      <a:lvl7pPr marL="2167128" algn="l" defTabSz="722376" rtl="0" eaLnBrk="1" latinLnBrk="0" hangingPunct="1">
+        <a:defRPr sz="1422" kern="1200">
           <a:solidFill>
             <a:schemeClr val="tx1"/>
           </a:solidFill>
@@ -2931,8 +2992,8 @@
           <a:cs typeface="+mn-cs"/>
         </a:defRPr>
       </a:lvl7pPr>
-      <a:lvl8pPr marL="3200400" algn="l" defTabSz="914400" rtl="0" eaLnBrk="1" latinLnBrk="0" hangingPunct="1">
-        <a:defRPr sz="1800" kern="1200">
+      <a:lvl8pPr marL="2528316" algn="l" defTabSz="722376" rtl="0" eaLnBrk="1" latinLnBrk="0" hangingPunct="1">
+        <a:defRPr sz="1422" kern="1200">
           <a:solidFill>
             <a:schemeClr val="tx1"/>
           </a:solidFill>
@@ -2941,8 +3002,8 @@
           <a:cs typeface="+mn-cs"/>
         </a:defRPr>
       </a:lvl8pPr>
-      <a:lvl9pPr marL="3657600" algn="l" defTabSz="914400" rtl="0" eaLnBrk="1" latinLnBrk="0" hangingPunct="1">
-        <a:defRPr sz="1800" kern="1200">
+      <a:lvl9pPr marL="2889504" algn="l" defTabSz="722376" rtl="0" eaLnBrk="1" latinLnBrk="0" hangingPunct="1">
+        <a:defRPr sz="1422" kern="1200">
           <a:solidFill>
             <a:schemeClr val="tx1"/>
           </a:solidFill>
@@ -2994,7 +3055,7 @@
           </p:nvPr>
         </p:nvGraphicFramePr>
         <p:xfrm>
-          <a:off x="1673961" y="3806559"/>
+          <a:off x="1673961" y="3086628"/>
           <a:ext cx="8128000" cy="370138"/>
         </p:xfrm>
         <a:graphic>
@@ -4257,7 +4318,7 @@
           </p:nvPr>
         </p:nvGraphicFramePr>
         <p:xfrm>
-          <a:off x="1672099" y="3806559"/>
+          <a:off x="1672100" y="3086628"/>
           <a:ext cx="2038525" cy="370138"/>
         </p:xfrm>
         <a:graphic>
@@ -4578,7 +4639,7 @@
           </p:nvPr>
         </p:nvGraphicFramePr>
         <p:xfrm>
-          <a:off x="3716946" y="3806156"/>
+          <a:off x="3716947" y="3086225"/>
           <a:ext cx="2021015" cy="370138"/>
         </p:xfrm>
         <a:graphic>
@@ -4907,7 +4968,7 @@
         </p:nvSpPr>
         <p:spPr>
           <a:xfrm>
-            <a:off x="414985" y="3806559"/>
+            <a:off x="414986" y="3086628"/>
             <a:ext cx="1250535" cy="369332"/>
           </a:xfrm>
           <a:prstGeom prst="rect">
@@ -4954,7 +5015,7 @@
           </p:nvPr>
         </p:nvGraphicFramePr>
         <p:xfrm>
-          <a:off x="1673961" y="5083781"/>
+          <a:off x="1673961" y="4363850"/>
           <a:ext cx="8128000" cy="370138"/>
         </p:xfrm>
         <a:graphic>
@@ -6217,7 +6278,7 @@
           </p:nvPr>
         </p:nvGraphicFramePr>
         <p:xfrm>
-          <a:off x="4107236" y="5083781"/>
+          <a:off x="4107237" y="4363850"/>
           <a:ext cx="2038525" cy="365760"/>
         </p:xfrm>
         <a:graphic>
@@ -6538,7 +6599,7 @@
           </p:nvPr>
         </p:nvGraphicFramePr>
         <p:xfrm>
-          <a:off x="6961806" y="5083781"/>
+          <a:off x="6961807" y="4363850"/>
           <a:ext cx="2038525" cy="365760"/>
         </p:xfrm>
         <a:graphic>
@@ -6867,7 +6928,7 @@
         </p:nvSpPr>
         <p:spPr>
           <a:xfrm>
-            <a:off x="138023" y="5091330"/>
+            <a:off x="138023" y="4371399"/>
             <a:ext cx="1534074" cy="369332"/>
           </a:xfrm>
           <a:prstGeom prst="rect">
@@ -6909,7 +6970,7 @@
         </p:nvCxnSpPr>
         <p:spPr>
           <a:xfrm>
-            <a:off x="1672099" y="4172319"/>
+            <a:off x="1672100" y="3452388"/>
             <a:ext cx="2435137" cy="898608"/>
           </a:xfrm>
           <a:prstGeom prst="straightConnector1">
@@ -6950,7 +7011,7 @@
         </p:nvCxnSpPr>
         <p:spPr>
           <a:xfrm>
-            <a:off x="3717203" y="4189551"/>
+            <a:off x="3717204" y="3469620"/>
             <a:ext cx="3244603" cy="889852"/>
           </a:xfrm>
           <a:prstGeom prst="straightConnector1">
@@ -6999,7 +7060,7 @@
           </p:nvPr>
         </p:nvGraphicFramePr>
         <p:xfrm>
-          <a:off x="9801961" y="5083781"/>
+          <a:off x="9801961" y="4363850"/>
           <a:ext cx="8128000" cy="370138"/>
         </p:xfrm>
         <a:graphic>
@@ -7542,7 +7603,7 @@
           </p:nvPr>
         </p:nvGraphicFramePr>
         <p:xfrm>
-          <a:off x="12235236" y="5083781"/>
+          <a:off x="12235237" y="4363850"/>
           <a:ext cx="2038525" cy="365760"/>
         </p:xfrm>
         <a:graphic>
@@ -7705,7 +7766,7 @@
           </p:nvPr>
         </p:nvGraphicFramePr>
         <p:xfrm>
-          <a:off x="15089806" y="5083781"/>
+          <a:off x="15089807" y="4363850"/>
           <a:ext cx="2038525" cy="365760"/>
         </p:xfrm>
         <a:graphic>
@@ -7853,7 +7914,7 @@
           </p:nvPr>
         </p:nvGraphicFramePr>
         <p:xfrm>
-          <a:off x="7368196" y="3808143"/>
+          <a:off x="7368197" y="3088213"/>
           <a:ext cx="2021015" cy="366163"/>
         </p:xfrm>
         <a:graphic>
@@ -8189,7 +8250,7 @@
           </p:nvPr>
         </p:nvGraphicFramePr>
         <p:xfrm>
-          <a:off x="2085289" y="5083579"/>
+          <a:off x="2085290" y="4363649"/>
           <a:ext cx="2021015" cy="366163"/>
         </p:xfrm>
         <a:graphic>
@@ -8519,13 +8580,13 @@
           <p:nvPr>
             <p:extLst>
               <p:ext uri="{D42A27DB-BD31-4B8C-83A1-F6EECF244321}">
-                <p14:modId xmlns:p14="http://schemas.microsoft.com/office/powerpoint/2010/main" val="1670757117"/>
+                <p14:modId xmlns:p14="http://schemas.microsoft.com/office/powerpoint/2010/main" val="3804498201"/>
               </p:ext>
             </p:extLst>
           </p:nvPr>
         </p:nvGraphicFramePr>
         <p:xfrm>
-          <a:off x="9801961" y="3808547"/>
+          <a:off x="9803822" y="3086360"/>
           <a:ext cx="8128000" cy="370138"/>
         </p:xfrm>
         <a:graphic>
@@ -8982,13 +9043,13 @@
           <p:nvPr>
             <p:extLst>
               <p:ext uri="{D42A27DB-BD31-4B8C-83A1-F6EECF244321}">
-                <p14:modId xmlns:p14="http://schemas.microsoft.com/office/powerpoint/2010/main" val="1536355670"/>
+                <p14:modId xmlns:p14="http://schemas.microsoft.com/office/powerpoint/2010/main" val="1975821276"/>
               </p:ext>
             </p:extLst>
           </p:nvPr>
         </p:nvGraphicFramePr>
         <p:xfrm>
-          <a:off x="9800099" y="3808547"/>
+          <a:off x="9801961" y="3086360"/>
           <a:ext cx="2038525" cy="370138"/>
         </p:xfrm>
         <a:graphic>
@@ -9130,13 +9191,13 @@
           <p:nvPr>
             <p:extLst>
               <p:ext uri="{D42A27DB-BD31-4B8C-83A1-F6EECF244321}">
-                <p14:modId xmlns:p14="http://schemas.microsoft.com/office/powerpoint/2010/main" val="840147458"/>
+                <p14:modId xmlns:p14="http://schemas.microsoft.com/office/powerpoint/2010/main" val="1663929382"/>
               </p:ext>
             </p:extLst>
           </p:nvPr>
         </p:nvGraphicFramePr>
         <p:xfrm>
-          <a:off x="11844946" y="3808144"/>
+          <a:off x="11846808" y="3085957"/>
           <a:ext cx="2021015" cy="370138"/>
         </p:xfrm>
         <a:graphic>
@@ -9278,13 +9339,13 @@
           <p:nvPr>
             <p:extLst>
               <p:ext uri="{D42A27DB-BD31-4B8C-83A1-F6EECF244321}">
-                <p14:modId xmlns:p14="http://schemas.microsoft.com/office/powerpoint/2010/main" val="4060612828"/>
+                <p14:modId xmlns:p14="http://schemas.microsoft.com/office/powerpoint/2010/main" val="56386518"/>
               </p:ext>
             </p:extLst>
           </p:nvPr>
         </p:nvGraphicFramePr>
         <p:xfrm>
-          <a:off x="15496196" y="3810131"/>
+          <a:off x="15498058" y="3087945"/>
           <a:ext cx="2021015" cy="366163"/>
         </p:xfrm>
         <a:graphic>
@@ -9432,7 +9493,7 @@
           </p:nvPr>
         </p:nvGraphicFramePr>
         <p:xfrm>
-          <a:off x="10213289" y="5083578"/>
+          <a:off x="10213290" y="4363648"/>
           <a:ext cx="2021015" cy="366163"/>
         </p:xfrm>
         <a:graphic>
@@ -9573,7 +9634,7 @@
         </p:nvCxnSpPr>
         <p:spPr>
           <a:xfrm>
-            <a:off x="7368196" y="4178685"/>
+            <a:off x="7368197" y="3458754"/>
             <a:ext cx="2845093" cy="892242"/>
           </a:xfrm>
           <a:prstGeom prst="straightConnector1">
@@ -9614,7 +9675,7 @@
         </p:nvCxnSpPr>
         <p:spPr>
           <a:xfrm>
-            <a:off x="1672097" y="5619750"/>
+            <a:off x="1672097" y="4899819"/>
             <a:ext cx="8128002" cy="0"/>
           </a:xfrm>
           <a:prstGeom prst="straightConnector1">
@@ -9654,7 +9715,7 @@
         </p:nvSpPr>
         <p:spPr>
           <a:xfrm>
-            <a:off x="6566409" y="5710294"/>
+            <a:off x="6566409" y="4990364"/>
             <a:ext cx="790794" cy="646331"/>
           </a:xfrm>
           <a:prstGeom prst="rect">
@@ -9694,20 +9755,20 @@
           <p:nvPr>
             <p:extLst>
               <p:ext uri="{D42A27DB-BD31-4B8C-83A1-F6EECF244321}">
-                <p14:modId xmlns:p14="http://schemas.microsoft.com/office/powerpoint/2010/main" val="1746827751"/>
+                <p14:modId xmlns:p14="http://schemas.microsoft.com/office/powerpoint/2010/main" val="793463303"/>
               </p:ext>
             </p:extLst>
           </p:nvPr>
         </p:nvGraphicFramePr>
         <p:xfrm>
-          <a:off x="3000110" y="1905000"/>
-          <a:ext cx="12089696" cy="1186630"/>
+          <a:off x="3406500" y="1031869"/>
+          <a:ext cx="12089696" cy="1144454"/>
         </p:xfrm>
         <a:graphic>
           <a:graphicData uri="http://schemas.openxmlformats.org/drawingml/2006/table">
             <a:tbl>
               <a:tblPr firstRow="1" bandRow="1">
-                <a:tableStyleId>{F5AB1C69-6EDB-4FF4-983F-18BD219EF322}</a:tableStyleId>
+                <a:tableStyleId>{0505E3EF-67EA-436B-97B2-0124C06EBD24}</a:tableStyleId>
               </a:tblPr>
               <a:tblGrid>
                 <a:gridCol w="3022424">
@@ -9930,7 +9991,6 @@
                         <a:rPr lang="fr-FR" dirty="0"/>
                         <a:t>6</a:t>
                       </a:r>
-                      <a:endParaRPr lang="fr-FR" dirty="0"/>
                     </a:p>
                   </a:txBody>
                   <a:tcPr/>
@@ -9944,7 +10004,6 @@
                         <a:rPr lang="fr-FR" dirty="0"/>
                         <a:t>7</a:t>
                       </a:r>
-                      <a:endParaRPr lang="fr-FR" dirty="0"/>
                     </a:p>
                   </a:txBody>
                   <a:tcPr/>
@@ -9958,7 +10017,6 @@
                         <a:rPr lang="fr-FR" dirty="0"/>
                         <a:t>6</a:t>
                       </a:r>
-                      <a:endParaRPr lang="fr-FR" dirty="0"/>
                     </a:p>
                   </a:txBody>
                   <a:tcPr/>
